--- a/GraphQL.NET.pptx
+++ b/GraphQL.NET.pptx
@@ -5,7 +5,7 @@
     <p:sldMasterId id="2147483660" r:id="rId1"/>
   </p:sldMasterIdLst>
   <p:notesMasterIdLst>
-    <p:notesMasterId r:id="rId7"/>
+    <p:notesMasterId r:id="rId8"/>
   </p:notesMasterIdLst>
   <p:sldIdLst>
     <p:sldId id="256" r:id="rId2"/>
@@ -13,6 +13,7 @@
     <p:sldId id="258" r:id="rId4"/>
     <p:sldId id="259" r:id="rId5"/>
     <p:sldId id="260" r:id="rId6"/>
+    <p:sldId id="261" r:id="rId7"/>
   </p:sldIdLst>
   <p:sldSz cx="12192000" cy="6858000"/>
   <p:notesSz cx="6858000" cy="9144000"/>
@@ -111,6 +112,11 @@
       </a:defRPr>
     </a:lvl9pPr>
   </p:defaultTextStyle>
+  <p:extLst>
+    <p:ext uri="{EFAFB233-063F-42B5-8137-9DF3F51BA10A}">
+      <p15:sldGuideLst xmlns:p15="http://schemas.microsoft.com/office/powerpoint/2012/main"/>
+    </p:ext>
+  </p:extLst>
 </p:presentation>
 </file>
 
@@ -196,7 +202,7 @@
           <a:p>
             <a:fld id="{E24E2E04-B98B-41E0-BC2B-3BDAC7E66A74}" type="datetimeFigureOut">
               <a:rPr lang="en-US" smtClean="0"/>
-              <a:t>11/8/2019</a:t>
+              <a:t>11/21/2019</a:t>
             </a:fld>
             <a:endParaRPr lang="en-US"/>
           </a:p>
@@ -863,7 +869,7 @@
           <a:p>
             <a:fld id="{09B43F12-E0B2-4A95-89BE-5FAEF7D4B697}" type="datetimeFigureOut">
               <a:rPr lang="en-US" smtClean="0"/>
-              <a:t>11/8/2019</a:t>
+              <a:t>11/21/2019</a:t>
             </a:fld>
             <a:endParaRPr lang="en-US"/>
           </a:p>
@@ -1138,7 +1144,7 @@
           <a:p>
             <a:fld id="{09B43F12-E0B2-4A95-89BE-5FAEF7D4B697}" type="datetimeFigureOut">
               <a:rPr lang="en-US" smtClean="0"/>
-              <a:t>11/8/2019</a:t>
+              <a:t>11/21/2019</a:t>
             </a:fld>
             <a:endParaRPr lang="en-US"/>
           </a:p>
@@ -1332,7 +1338,7 @@
           <a:p>
             <a:fld id="{09B43F12-E0B2-4A95-89BE-5FAEF7D4B697}" type="datetimeFigureOut">
               <a:rPr lang="en-US" smtClean="0"/>
-              <a:t>11/8/2019</a:t>
+              <a:t>11/21/2019</a:t>
             </a:fld>
             <a:endParaRPr lang="en-US"/>
           </a:p>
@@ -1605,7 +1611,7 @@
           <a:p>
             <a:fld id="{09B43F12-E0B2-4A95-89BE-5FAEF7D4B697}" type="datetimeFigureOut">
               <a:rPr lang="en-US" smtClean="0"/>
-              <a:t>11/8/2019</a:t>
+              <a:t>11/21/2019</a:t>
             </a:fld>
             <a:endParaRPr lang="en-US"/>
           </a:p>
@@ -1946,7 +1952,7 @@
           <a:p>
             <a:fld id="{09B43F12-E0B2-4A95-89BE-5FAEF7D4B697}" type="datetimeFigureOut">
               <a:rPr lang="en-US" smtClean="0"/>
-              <a:t>11/8/2019</a:t>
+              <a:t>11/21/2019</a:t>
             </a:fld>
             <a:endParaRPr lang="en-US"/>
           </a:p>
@@ -2569,7 +2575,7 @@
           <a:p>
             <a:fld id="{09B43F12-E0B2-4A95-89BE-5FAEF7D4B697}" type="datetimeFigureOut">
               <a:rPr lang="en-US" smtClean="0"/>
-              <a:t>11/8/2019</a:t>
+              <a:t>11/21/2019</a:t>
             </a:fld>
             <a:endParaRPr lang="en-US"/>
           </a:p>
@@ -3429,7 +3435,7 @@
           <a:p>
             <a:fld id="{09B43F12-E0B2-4A95-89BE-5FAEF7D4B697}" type="datetimeFigureOut">
               <a:rPr lang="en-US" smtClean="0"/>
-              <a:t>11/8/2019</a:t>
+              <a:t>11/21/2019</a:t>
             </a:fld>
             <a:endParaRPr lang="en-US"/>
           </a:p>
@@ -3599,7 +3605,7 @@
           <a:p>
             <a:fld id="{09B43F12-E0B2-4A95-89BE-5FAEF7D4B697}" type="datetimeFigureOut">
               <a:rPr lang="en-US" smtClean="0"/>
-              <a:t>11/8/2019</a:t>
+              <a:t>11/21/2019</a:t>
             </a:fld>
             <a:endParaRPr lang="en-US"/>
           </a:p>
@@ -3779,7 +3785,7 @@
           <a:p>
             <a:fld id="{09B43F12-E0B2-4A95-89BE-5FAEF7D4B697}" type="datetimeFigureOut">
               <a:rPr lang="en-US" smtClean="0"/>
-              <a:t>11/8/2019</a:t>
+              <a:t>11/21/2019</a:t>
             </a:fld>
             <a:endParaRPr lang="en-US"/>
           </a:p>
@@ -3949,7 +3955,7 @@
           <a:p>
             <a:fld id="{09B43F12-E0B2-4A95-89BE-5FAEF7D4B697}" type="datetimeFigureOut">
               <a:rPr lang="en-US" smtClean="0"/>
-              <a:t>11/8/2019</a:t>
+              <a:t>11/21/2019</a:t>
             </a:fld>
             <a:endParaRPr lang="en-US"/>
           </a:p>
@@ -4196,7 +4202,7 @@
           <a:p>
             <a:fld id="{09B43F12-E0B2-4A95-89BE-5FAEF7D4B697}" type="datetimeFigureOut">
               <a:rPr lang="en-US" smtClean="0"/>
-              <a:t>11/8/2019</a:t>
+              <a:t>11/21/2019</a:t>
             </a:fld>
             <a:endParaRPr lang="en-US"/>
           </a:p>
@@ -4488,7 +4494,7 @@
           <a:p>
             <a:fld id="{09B43F12-E0B2-4A95-89BE-5FAEF7D4B697}" type="datetimeFigureOut">
               <a:rPr lang="en-US" smtClean="0"/>
-              <a:t>11/8/2019</a:t>
+              <a:t>11/21/2019</a:t>
             </a:fld>
             <a:endParaRPr lang="en-US"/>
           </a:p>
@@ -4932,7 +4938,7 @@
           <a:p>
             <a:fld id="{09B43F12-E0B2-4A95-89BE-5FAEF7D4B697}" type="datetimeFigureOut">
               <a:rPr lang="en-US" smtClean="0"/>
-              <a:t>11/8/2019</a:t>
+              <a:t>11/21/2019</a:t>
             </a:fld>
             <a:endParaRPr lang="en-US"/>
           </a:p>
@@ -5050,7 +5056,7 @@
           <a:p>
             <a:fld id="{09B43F12-E0B2-4A95-89BE-5FAEF7D4B697}" type="datetimeFigureOut">
               <a:rPr lang="en-US" smtClean="0"/>
-              <a:t>11/8/2019</a:t>
+              <a:t>11/21/2019</a:t>
             </a:fld>
             <a:endParaRPr lang="en-US"/>
           </a:p>
@@ -5145,7 +5151,7 @@
           <a:p>
             <a:fld id="{09B43F12-E0B2-4A95-89BE-5FAEF7D4B697}" type="datetimeFigureOut">
               <a:rPr lang="en-US" smtClean="0"/>
-              <a:t>11/8/2019</a:t>
+              <a:t>11/21/2019</a:t>
             </a:fld>
             <a:endParaRPr lang="en-US"/>
           </a:p>
@@ -5424,7 +5430,7 @@
           <a:p>
             <a:fld id="{09B43F12-E0B2-4A95-89BE-5FAEF7D4B697}" type="datetimeFigureOut">
               <a:rPr lang="en-US" smtClean="0"/>
-              <a:t>11/8/2019</a:t>
+              <a:t>11/21/2019</a:t>
             </a:fld>
             <a:endParaRPr lang="en-US"/>
           </a:p>
@@ -5699,7 +5705,7 @@
           <a:p>
             <a:fld id="{09B43F12-E0B2-4A95-89BE-5FAEF7D4B697}" type="datetimeFigureOut">
               <a:rPr lang="en-US" smtClean="0"/>
-              <a:t>11/8/2019</a:t>
+              <a:t>11/21/2019</a:t>
             </a:fld>
             <a:endParaRPr lang="en-US"/>
           </a:p>
@@ -6128,7 +6134,7 @@
           <a:p>
             <a:fld id="{09B43F12-E0B2-4A95-89BE-5FAEF7D4B697}" type="datetimeFigureOut">
               <a:rPr lang="en-US" smtClean="0"/>
-              <a:t>11/8/2019</a:t>
+              <a:t>11/21/2019</a:t>
             </a:fld>
             <a:endParaRPr lang="en-US"/>
           </a:p>
@@ -6801,7 +6807,9 @@
         </p:nvSpPr>
         <p:spPr/>
         <p:txBody>
-          <a:bodyPr/>
+          <a:bodyPr>
+            <a:normAutofit lnSpcReduction="10000"/>
+          </a:bodyPr>
           <a:lstStyle/>
           <a:p>
             <a:r>
@@ -6827,6 +6835,18 @@
             <a:r>
               <a:rPr lang="en-US" dirty="0"/>
               <a:t>Reduce bandwidth  and Internet transmission costs for data retrieval. Eliminates over-fetching of data.</a:t>
+            </a:r>
+          </a:p>
+          <a:p>
+            <a:r>
+              <a:rPr lang="en-US" dirty="0"/>
+              <a:t>Reduce over-fetching and under-fetching of data.</a:t>
+            </a:r>
+          </a:p>
+          <a:p>
+            <a:r>
+              <a:rPr lang="en-US" dirty="0"/>
+              <a:t>Reduce number of (REST) end-points.</a:t>
             </a:r>
           </a:p>
           <a:p>
@@ -7329,6 +7349,723 @@
     <p:extLst>
       <p:ext uri="{BB962C8B-B14F-4D97-AF65-F5344CB8AC3E}">
         <p14:creationId xmlns:p14="http://schemas.microsoft.com/office/powerpoint/2010/main" val="4201361796"/>
+      </p:ext>
+    </p:extLst>
+  </p:cSld>
+  <p:clrMapOvr>
+    <a:masterClrMapping/>
+  </p:clrMapOvr>
+</p:sld>
+</file>
+
+<file path=ppt/slides/slide6.xml><?xml version="1.0" encoding="utf-8"?>
+<p:sld xmlns:a="http://schemas.openxmlformats.org/drawingml/2006/main" xmlns:r="http://schemas.openxmlformats.org/officeDocument/2006/relationships" xmlns:p="http://schemas.openxmlformats.org/presentationml/2006/main">
+  <p:cSld>
+    <p:spTree>
+      <p:nvGrpSpPr>
+        <p:cNvPr id="1" name=""/>
+        <p:cNvGrpSpPr/>
+        <p:nvPr/>
+      </p:nvGrpSpPr>
+      <p:grpSpPr>
+        <a:xfrm>
+          <a:off x="0" y="0"/>
+          <a:ext cx="0" cy="0"/>
+          <a:chOff x="0" y="0"/>
+          <a:chExt cx="0" cy="0"/>
+        </a:xfrm>
+      </p:grpSpPr>
+      <p:sp>
+        <p:nvSpPr>
+          <p:cNvPr id="2" name="Title 1">
+            <a:extLst>
+              <a:ext uri="{FF2B5EF4-FFF2-40B4-BE49-F238E27FC236}">
+                <a16:creationId xmlns:a16="http://schemas.microsoft.com/office/drawing/2014/main" id="{A8AA3226-30D3-4C25-9D41-2EF27CFE1F0E}"/>
+              </a:ext>
+            </a:extLst>
+          </p:cNvPr>
+          <p:cNvSpPr>
+            <a:spLocks noGrp="1"/>
+          </p:cNvSpPr>
+          <p:nvPr>
+            <p:ph type="title"/>
+          </p:nvPr>
+        </p:nvSpPr>
+        <p:spPr>
+          <a:xfrm>
+            <a:off x="646111" y="452718"/>
+            <a:ext cx="9404723" cy="1400530"/>
+          </a:xfrm>
+        </p:spPr>
+        <p:txBody>
+          <a:bodyPr/>
+          <a:lstStyle/>
+          <a:p>
+            <a:r>
+              <a:rPr lang="en-US" dirty="0"/>
+              <a:t>ASP.NET Core Middleware with GraphQL.NET</a:t>
+            </a:r>
+          </a:p>
+        </p:txBody>
+      </p:sp>
+      <p:sp>
+        <p:nvSpPr>
+          <p:cNvPr id="3" name="Rectangle: Rounded Corners 2">
+            <a:extLst>
+              <a:ext uri="{FF2B5EF4-FFF2-40B4-BE49-F238E27FC236}">
+                <a16:creationId xmlns:a16="http://schemas.microsoft.com/office/drawing/2014/main" id="{DA20A96F-4FF9-4D17-996D-0A4CDE68214C}"/>
+              </a:ext>
+            </a:extLst>
+          </p:cNvPr>
+          <p:cNvSpPr/>
+          <p:nvPr/>
+        </p:nvSpPr>
+        <p:spPr>
+          <a:xfrm>
+            <a:off x="816746" y="2237173"/>
+            <a:ext cx="2095130" cy="701336"/>
+          </a:xfrm>
+          <a:prstGeom prst="roundRect">
+            <a:avLst/>
+          </a:prstGeom>
+        </p:spPr>
+        <p:style>
+          <a:lnRef idx="2">
+            <a:schemeClr val="accent1">
+              <a:shade val="50000"/>
+            </a:schemeClr>
+          </a:lnRef>
+          <a:fillRef idx="1">
+            <a:schemeClr val="accent1"/>
+          </a:fillRef>
+          <a:effectRef idx="0">
+            <a:schemeClr val="accent1"/>
+          </a:effectRef>
+          <a:fontRef idx="minor">
+            <a:schemeClr val="lt1"/>
+          </a:fontRef>
+        </p:style>
+        <p:txBody>
+          <a:bodyPr rtlCol="0" anchor="ctr"/>
+          <a:lstStyle/>
+          <a:p>
+            <a:pPr algn="ctr"/>
+            <a:r>
+              <a:rPr lang="en-US" dirty="0"/>
+              <a:t>Request</a:t>
+            </a:r>
+          </a:p>
+        </p:txBody>
+      </p:sp>
+      <p:sp>
+        <p:nvSpPr>
+          <p:cNvPr id="4" name="Rectangle: Rounded Corners 3">
+            <a:extLst>
+              <a:ext uri="{FF2B5EF4-FFF2-40B4-BE49-F238E27FC236}">
+                <a16:creationId xmlns:a16="http://schemas.microsoft.com/office/drawing/2014/main" id="{4F16D1E7-693B-4274-A5AC-810164B30402}"/>
+              </a:ext>
+            </a:extLst>
+          </p:cNvPr>
+          <p:cNvSpPr/>
+          <p:nvPr/>
+        </p:nvSpPr>
+        <p:spPr>
+          <a:xfrm>
+            <a:off x="816746" y="4475827"/>
+            <a:ext cx="2095130" cy="701336"/>
+          </a:xfrm>
+          <a:prstGeom prst="roundRect">
+            <a:avLst/>
+          </a:prstGeom>
+          <a:solidFill>
+            <a:srgbClr val="FFC000"/>
+          </a:solidFill>
+        </p:spPr>
+        <p:style>
+          <a:lnRef idx="2">
+            <a:schemeClr val="accent1">
+              <a:shade val="50000"/>
+            </a:schemeClr>
+          </a:lnRef>
+          <a:fillRef idx="1">
+            <a:schemeClr val="accent1"/>
+          </a:fillRef>
+          <a:effectRef idx="0">
+            <a:schemeClr val="accent1"/>
+          </a:effectRef>
+          <a:fontRef idx="minor">
+            <a:schemeClr val="lt1"/>
+          </a:fontRef>
+        </p:style>
+        <p:txBody>
+          <a:bodyPr rtlCol="0" anchor="ctr"/>
+          <a:lstStyle/>
+          <a:p>
+            <a:pPr algn="ctr"/>
+            <a:r>
+              <a:rPr lang="en-US" dirty="0"/>
+              <a:t>Response</a:t>
+            </a:r>
+          </a:p>
+        </p:txBody>
+      </p:sp>
+      <p:sp>
+        <p:nvSpPr>
+          <p:cNvPr id="5" name="Rectangle 4">
+            <a:extLst>
+              <a:ext uri="{FF2B5EF4-FFF2-40B4-BE49-F238E27FC236}">
+                <a16:creationId xmlns:a16="http://schemas.microsoft.com/office/drawing/2014/main" id="{904EAC03-464B-467F-A141-95775AE21DBA}"/>
+              </a:ext>
+            </a:extLst>
+          </p:cNvPr>
+          <p:cNvSpPr/>
+          <p:nvPr/>
+        </p:nvSpPr>
+        <p:spPr>
+          <a:xfrm rot="5400000">
+            <a:off x="2813861" y="3206589"/>
+            <a:ext cx="2939990" cy="1001159"/>
+          </a:xfrm>
+          <a:prstGeom prst="rect">
+            <a:avLst/>
+          </a:prstGeom>
+          <a:solidFill>
+            <a:schemeClr val="bg2">
+              <a:lumMod val="60000"/>
+              <a:lumOff val="40000"/>
+            </a:schemeClr>
+          </a:solidFill>
+        </p:spPr>
+        <p:style>
+          <a:lnRef idx="2">
+            <a:schemeClr val="accent1">
+              <a:shade val="50000"/>
+            </a:schemeClr>
+          </a:lnRef>
+          <a:fillRef idx="1">
+            <a:schemeClr val="accent1"/>
+          </a:fillRef>
+          <a:effectRef idx="0">
+            <a:schemeClr val="accent1"/>
+          </a:effectRef>
+          <a:fontRef idx="minor">
+            <a:schemeClr val="lt1"/>
+          </a:fontRef>
+        </p:style>
+        <p:txBody>
+          <a:bodyPr rtlCol="0" anchor="ctr"/>
+          <a:lstStyle/>
+          <a:p>
+            <a:pPr algn="ctr"/>
+            <a:r>
+              <a:rPr lang="en-US" dirty="0"/>
+              <a:t>Kestrel</a:t>
+            </a:r>
+          </a:p>
+        </p:txBody>
+      </p:sp>
+      <p:sp>
+        <p:nvSpPr>
+          <p:cNvPr id="6" name="Rectangle 5">
+            <a:extLst>
+              <a:ext uri="{FF2B5EF4-FFF2-40B4-BE49-F238E27FC236}">
+                <a16:creationId xmlns:a16="http://schemas.microsoft.com/office/drawing/2014/main" id="{F4BDBE86-C637-4F02-9E54-366231F1B7E5}"/>
+              </a:ext>
+            </a:extLst>
+          </p:cNvPr>
+          <p:cNvSpPr/>
+          <p:nvPr/>
+        </p:nvSpPr>
+        <p:spPr>
+          <a:xfrm rot="5400000">
+            <a:off x="4922699" y="3206589"/>
+            <a:ext cx="2939990" cy="1001159"/>
+          </a:xfrm>
+          <a:prstGeom prst="rect">
+            <a:avLst/>
+          </a:prstGeom>
+          <a:solidFill>
+            <a:schemeClr val="accent4">
+              <a:lumMod val="75000"/>
+            </a:schemeClr>
+          </a:solidFill>
+        </p:spPr>
+        <p:style>
+          <a:lnRef idx="2">
+            <a:schemeClr val="accent1">
+              <a:shade val="50000"/>
+            </a:schemeClr>
+          </a:lnRef>
+          <a:fillRef idx="1">
+            <a:schemeClr val="accent1"/>
+          </a:fillRef>
+          <a:effectRef idx="0">
+            <a:schemeClr val="accent1"/>
+          </a:effectRef>
+          <a:fontRef idx="minor">
+            <a:schemeClr val="lt1"/>
+          </a:fontRef>
+        </p:style>
+        <p:txBody>
+          <a:bodyPr rtlCol="0" anchor="ctr"/>
+          <a:lstStyle/>
+          <a:p>
+            <a:pPr algn="ctr"/>
+            <a:r>
+              <a:rPr lang="en-US" dirty="0"/>
+              <a:t>Middleware</a:t>
+            </a:r>
+          </a:p>
+        </p:txBody>
+      </p:sp>
+      <p:sp>
+        <p:nvSpPr>
+          <p:cNvPr id="9" name="Rectangle 8">
+            <a:extLst>
+              <a:ext uri="{FF2B5EF4-FFF2-40B4-BE49-F238E27FC236}">
+                <a16:creationId xmlns:a16="http://schemas.microsoft.com/office/drawing/2014/main" id="{68EE4334-0802-4D9D-926F-C6DD1B86BD4B}"/>
+              </a:ext>
+            </a:extLst>
+          </p:cNvPr>
+          <p:cNvSpPr/>
+          <p:nvPr/>
+        </p:nvSpPr>
+        <p:spPr>
+          <a:xfrm rot="5400000">
+            <a:off x="9404679" y="3206589"/>
+            <a:ext cx="2939990" cy="1001159"/>
+          </a:xfrm>
+          <a:prstGeom prst="rect">
+            <a:avLst/>
+          </a:prstGeom>
+          <a:solidFill>
+            <a:schemeClr val="accent6">
+              <a:lumMod val="60000"/>
+              <a:lumOff val="40000"/>
+            </a:schemeClr>
+          </a:solidFill>
+        </p:spPr>
+        <p:style>
+          <a:lnRef idx="2">
+            <a:schemeClr val="accent1">
+              <a:shade val="50000"/>
+            </a:schemeClr>
+          </a:lnRef>
+          <a:fillRef idx="1">
+            <a:schemeClr val="accent1"/>
+          </a:fillRef>
+          <a:effectRef idx="0">
+            <a:schemeClr val="accent1"/>
+          </a:effectRef>
+          <a:fontRef idx="minor">
+            <a:schemeClr val="lt1"/>
+          </a:fontRef>
+        </p:style>
+        <p:txBody>
+          <a:bodyPr rtlCol="0" anchor="ctr"/>
+          <a:lstStyle/>
+          <a:p>
+            <a:pPr algn="ctr"/>
+            <a:r>
+              <a:rPr lang="en-US" dirty="0"/>
+              <a:t>ASP.NET Core </a:t>
+            </a:r>
+            <a:br>
+              <a:rPr lang="en-US" dirty="0"/>
+            </a:br>
+            <a:r>
+              <a:rPr lang="en-US" dirty="0"/>
+              <a:t>Controller</a:t>
+            </a:r>
+          </a:p>
+        </p:txBody>
+      </p:sp>
+      <p:sp>
+        <p:nvSpPr>
+          <p:cNvPr id="10" name="Rectangle 9">
+            <a:extLst>
+              <a:ext uri="{FF2B5EF4-FFF2-40B4-BE49-F238E27FC236}">
+                <a16:creationId xmlns:a16="http://schemas.microsoft.com/office/drawing/2014/main" id="{51CBB86B-2E81-4094-8EE2-B267750729CC}"/>
+              </a:ext>
+            </a:extLst>
+          </p:cNvPr>
+          <p:cNvSpPr/>
+          <p:nvPr/>
+        </p:nvSpPr>
+        <p:spPr>
+          <a:xfrm rot="5400000">
+            <a:off x="7031539" y="3206589"/>
+            <a:ext cx="2939990" cy="1001159"/>
+          </a:xfrm>
+          <a:prstGeom prst="rect">
+            <a:avLst/>
+          </a:prstGeom>
+          <a:solidFill>
+            <a:schemeClr val="accent4">
+              <a:lumMod val="75000"/>
+            </a:schemeClr>
+          </a:solidFill>
+        </p:spPr>
+        <p:style>
+          <a:lnRef idx="2">
+            <a:schemeClr val="accent1">
+              <a:shade val="50000"/>
+            </a:schemeClr>
+          </a:lnRef>
+          <a:fillRef idx="1">
+            <a:schemeClr val="accent1"/>
+          </a:fillRef>
+          <a:effectRef idx="0">
+            <a:schemeClr val="accent1"/>
+          </a:effectRef>
+          <a:fontRef idx="minor">
+            <a:schemeClr val="lt1"/>
+          </a:fontRef>
+        </p:style>
+        <p:txBody>
+          <a:bodyPr rtlCol="0" anchor="ctr"/>
+          <a:lstStyle/>
+          <a:p>
+            <a:pPr algn="ctr"/>
+            <a:r>
+              <a:rPr lang="en-US" dirty="0"/>
+              <a:t>Middleware</a:t>
+            </a:r>
+          </a:p>
+        </p:txBody>
+      </p:sp>
+      <p:cxnSp>
+        <p:nvCxnSpPr>
+          <p:cNvPr id="13" name="Straight Arrow Connector 12">
+            <a:extLst>
+              <a:ext uri="{FF2B5EF4-FFF2-40B4-BE49-F238E27FC236}">
+                <a16:creationId xmlns:a16="http://schemas.microsoft.com/office/drawing/2014/main" id="{69D54DBB-7AFF-4B30-BE5E-74EBD00174DA}"/>
+              </a:ext>
+            </a:extLst>
+          </p:cNvPr>
+          <p:cNvCxnSpPr>
+            <a:stCxn id="3" idx="3"/>
+          </p:cNvCxnSpPr>
+          <p:nvPr/>
+        </p:nvCxnSpPr>
+        <p:spPr>
+          <a:xfrm>
+            <a:off x="2911876" y="2587841"/>
+            <a:ext cx="871400" cy="0"/>
+          </a:xfrm>
+          <a:prstGeom prst="straightConnector1">
+            <a:avLst/>
+          </a:prstGeom>
+          <a:ln w="76200">
+            <a:tailEnd type="triangle"/>
+          </a:ln>
+        </p:spPr>
+        <p:style>
+          <a:lnRef idx="1">
+            <a:schemeClr val="accent1"/>
+          </a:lnRef>
+          <a:fillRef idx="0">
+            <a:schemeClr val="accent1"/>
+          </a:fillRef>
+          <a:effectRef idx="0">
+            <a:schemeClr val="accent1"/>
+          </a:effectRef>
+          <a:fontRef idx="minor">
+            <a:schemeClr val="tx1"/>
+          </a:fontRef>
+        </p:style>
+      </p:cxnSp>
+      <p:cxnSp>
+        <p:nvCxnSpPr>
+          <p:cNvPr id="14" name="Straight Arrow Connector 13">
+            <a:extLst>
+              <a:ext uri="{FF2B5EF4-FFF2-40B4-BE49-F238E27FC236}">
+                <a16:creationId xmlns:a16="http://schemas.microsoft.com/office/drawing/2014/main" id="{42616829-1F25-47B7-AAA2-CBC7D34BD671}"/>
+              </a:ext>
+            </a:extLst>
+          </p:cNvPr>
+          <p:cNvCxnSpPr>
+            <a:cxnSpLocks/>
+          </p:cNvCxnSpPr>
+          <p:nvPr/>
+        </p:nvCxnSpPr>
+        <p:spPr>
+          <a:xfrm>
+            <a:off x="4784436" y="2587841"/>
+            <a:ext cx="1107678" cy="0"/>
+          </a:xfrm>
+          <a:prstGeom prst="straightConnector1">
+            <a:avLst/>
+          </a:prstGeom>
+          <a:ln w="76200">
+            <a:tailEnd type="triangle"/>
+          </a:ln>
+        </p:spPr>
+        <p:style>
+          <a:lnRef idx="1">
+            <a:schemeClr val="accent1"/>
+          </a:lnRef>
+          <a:fillRef idx="0">
+            <a:schemeClr val="accent1"/>
+          </a:fillRef>
+          <a:effectRef idx="0">
+            <a:schemeClr val="accent1"/>
+          </a:effectRef>
+          <a:fontRef idx="minor">
+            <a:schemeClr val="tx1"/>
+          </a:fontRef>
+        </p:style>
+      </p:cxnSp>
+      <p:cxnSp>
+        <p:nvCxnSpPr>
+          <p:cNvPr id="17" name="Straight Arrow Connector 16">
+            <a:extLst>
+              <a:ext uri="{FF2B5EF4-FFF2-40B4-BE49-F238E27FC236}">
+                <a16:creationId xmlns:a16="http://schemas.microsoft.com/office/drawing/2014/main" id="{466CB9F6-80F4-4B6D-9589-205D9DCC6A3F}"/>
+              </a:ext>
+            </a:extLst>
+          </p:cNvPr>
+          <p:cNvCxnSpPr>
+            <a:cxnSpLocks/>
+          </p:cNvCxnSpPr>
+          <p:nvPr/>
+        </p:nvCxnSpPr>
+        <p:spPr>
+          <a:xfrm>
+            <a:off x="6893274" y="2587841"/>
+            <a:ext cx="1107680" cy="0"/>
+          </a:xfrm>
+          <a:prstGeom prst="straightConnector1">
+            <a:avLst/>
+          </a:prstGeom>
+          <a:ln w="76200">
+            <a:tailEnd type="triangle"/>
+          </a:ln>
+        </p:spPr>
+        <p:style>
+          <a:lnRef idx="1">
+            <a:schemeClr val="accent1"/>
+          </a:lnRef>
+          <a:fillRef idx="0">
+            <a:schemeClr val="accent1"/>
+          </a:fillRef>
+          <a:effectRef idx="0">
+            <a:schemeClr val="accent1"/>
+          </a:effectRef>
+          <a:fontRef idx="minor">
+            <a:schemeClr val="tx1"/>
+          </a:fontRef>
+        </p:style>
+      </p:cxnSp>
+      <p:cxnSp>
+        <p:nvCxnSpPr>
+          <p:cNvPr id="20" name="Straight Arrow Connector 19">
+            <a:extLst>
+              <a:ext uri="{FF2B5EF4-FFF2-40B4-BE49-F238E27FC236}">
+                <a16:creationId xmlns:a16="http://schemas.microsoft.com/office/drawing/2014/main" id="{1F486BEF-4B9B-4C42-BB81-1810FD88BBEA}"/>
+              </a:ext>
+            </a:extLst>
+          </p:cNvPr>
+          <p:cNvCxnSpPr>
+            <a:cxnSpLocks/>
+          </p:cNvCxnSpPr>
+          <p:nvPr/>
+        </p:nvCxnSpPr>
+        <p:spPr>
+          <a:xfrm flipV="1">
+            <a:off x="9002114" y="2587841"/>
+            <a:ext cx="1371980" cy="1"/>
+          </a:xfrm>
+          <a:prstGeom prst="straightConnector1">
+            <a:avLst/>
+          </a:prstGeom>
+          <a:ln w="76200">
+            <a:tailEnd type="triangle"/>
+          </a:ln>
+        </p:spPr>
+        <p:style>
+          <a:lnRef idx="1">
+            <a:schemeClr val="accent1"/>
+          </a:lnRef>
+          <a:fillRef idx="0">
+            <a:schemeClr val="accent1"/>
+          </a:fillRef>
+          <a:effectRef idx="0">
+            <a:schemeClr val="accent1"/>
+          </a:effectRef>
+          <a:fontRef idx="minor">
+            <a:schemeClr val="tx1"/>
+          </a:fontRef>
+        </p:style>
+      </p:cxnSp>
+      <p:cxnSp>
+        <p:nvCxnSpPr>
+          <p:cNvPr id="23" name="Straight Arrow Connector 22">
+            <a:extLst>
+              <a:ext uri="{FF2B5EF4-FFF2-40B4-BE49-F238E27FC236}">
+                <a16:creationId xmlns:a16="http://schemas.microsoft.com/office/drawing/2014/main" id="{8E79B82B-DFD8-4535-A0FB-B658B57DE866}"/>
+              </a:ext>
+            </a:extLst>
+          </p:cNvPr>
+          <p:cNvCxnSpPr>
+            <a:cxnSpLocks/>
+          </p:cNvCxnSpPr>
+          <p:nvPr/>
+        </p:nvCxnSpPr>
+        <p:spPr>
+          <a:xfrm flipH="1">
+            <a:off x="2883325" y="4826495"/>
+            <a:ext cx="899951" cy="0"/>
+          </a:xfrm>
+          <a:prstGeom prst="straightConnector1">
+            <a:avLst/>
+          </a:prstGeom>
+          <a:ln w="76200">
+            <a:tailEnd type="triangle"/>
+          </a:ln>
+        </p:spPr>
+        <p:style>
+          <a:lnRef idx="1">
+            <a:schemeClr val="accent1"/>
+          </a:lnRef>
+          <a:fillRef idx="0">
+            <a:schemeClr val="accent1"/>
+          </a:fillRef>
+          <a:effectRef idx="0">
+            <a:schemeClr val="accent1"/>
+          </a:effectRef>
+          <a:fontRef idx="minor">
+            <a:schemeClr val="tx1"/>
+          </a:fontRef>
+        </p:style>
+      </p:cxnSp>
+      <p:cxnSp>
+        <p:nvCxnSpPr>
+          <p:cNvPr id="27" name="Straight Arrow Connector 26">
+            <a:extLst>
+              <a:ext uri="{FF2B5EF4-FFF2-40B4-BE49-F238E27FC236}">
+                <a16:creationId xmlns:a16="http://schemas.microsoft.com/office/drawing/2014/main" id="{B9E318C6-145A-4DBC-9DCE-7126CC11E094}"/>
+              </a:ext>
+            </a:extLst>
+          </p:cNvPr>
+          <p:cNvCxnSpPr>
+            <a:cxnSpLocks/>
+          </p:cNvCxnSpPr>
+          <p:nvPr/>
+        </p:nvCxnSpPr>
+        <p:spPr>
+          <a:xfrm flipH="1">
+            <a:off x="4784437" y="4826495"/>
+            <a:ext cx="1107677" cy="0"/>
+          </a:xfrm>
+          <a:prstGeom prst="straightConnector1">
+            <a:avLst/>
+          </a:prstGeom>
+          <a:ln w="76200">
+            <a:tailEnd type="triangle"/>
+          </a:ln>
+        </p:spPr>
+        <p:style>
+          <a:lnRef idx="1">
+            <a:schemeClr val="accent1"/>
+          </a:lnRef>
+          <a:fillRef idx="0">
+            <a:schemeClr val="accent1"/>
+          </a:fillRef>
+          <a:effectRef idx="0">
+            <a:schemeClr val="accent1"/>
+          </a:effectRef>
+          <a:fontRef idx="minor">
+            <a:schemeClr val="tx1"/>
+          </a:fontRef>
+        </p:style>
+      </p:cxnSp>
+      <p:cxnSp>
+        <p:nvCxnSpPr>
+          <p:cNvPr id="29" name="Straight Arrow Connector 28">
+            <a:extLst>
+              <a:ext uri="{FF2B5EF4-FFF2-40B4-BE49-F238E27FC236}">
+                <a16:creationId xmlns:a16="http://schemas.microsoft.com/office/drawing/2014/main" id="{665CDF05-94A2-45A3-B340-2D88EF9F45E0}"/>
+              </a:ext>
+            </a:extLst>
+          </p:cNvPr>
+          <p:cNvCxnSpPr>
+            <a:cxnSpLocks/>
+          </p:cNvCxnSpPr>
+          <p:nvPr/>
+        </p:nvCxnSpPr>
+        <p:spPr>
+          <a:xfrm flipH="1">
+            <a:off x="6893275" y="4836226"/>
+            <a:ext cx="1107679" cy="0"/>
+          </a:xfrm>
+          <a:prstGeom prst="straightConnector1">
+            <a:avLst/>
+          </a:prstGeom>
+          <a:ln w="76200">
+            <a:tailEnd type="triangle"/>
+          </a:ln>
+        </p:spPr>
+        <p:style>
+          <a:lnRef idx="1">
+            <a:schemeClr val="accent1"/>
+          </a:lnRef>
+          <a:fillRef idx="0">
+            <a:schemeClr val="accent1"/>
+          </a:fillRef>
+          <a:effectRef idx="0">
+            <a:schemeClr val="accent1"/>
+          </a:effectRef>
+          <a:fontRef idx="minor">
+            <a:schemeClr val="tx1"/>
+          </a:fontRef>
+        </p:style>
+      </p:cxnSp>
+      <p:cxnSp>
+        <p:nvCxnSpPr>
+          <p:cNvPr id="32" name="Straight Arrow Connector 31">
+            <a:extLst>
+              <a:ext uri="{FF2B5EF4-FFF2-40B4-BE49-F238E27FC236}">
+                <a16:creationId xmlns:a16="http://schemas.microsoft.com/office/drawing/2014/main" id="{706DB789-F929-4B63-B471-C60A956023AB}"/>
+              </a:ext>
+            </a:extLst>
+          </p:cNvPr>
+          <p:cNvCxnSpPr>
+            <a:cxnSpLocks/>
+          </p:cNvCxnSpPr>
+          <p:nvPr/>
+        </p:nvCxnSpPr>
+        <p:spPr>
+          <a:xfrm flipH="1" flipV="1">
+            <a:off x="9002115" y="4826495"/>
+            <a:ext cx="1371979" cy="9731"/>
+          </a:xfrm>
+          <a:prstGeom prst="straightConnector1">
+            <a:avLst/>
+          </a:prstGeom>
+          <a:ln w="76200">
+            <a:tailEnd type="triangle"/>
+          </a:ln>
+        </p:spPr>
+        <p:style>
+          <a:lnRef idx="1">
+            <a:schemeClr val="accent1"/>
+          </a:lnRef>
+          <a:fillRef idx="0">
+            <a:schemeClr val="accent1"/>
+          </a:fillRef>
+          <a:effectRef idx="0">
+            <a:schemeClr val="accent1"/>
+          </a:effectRef>
+          <a:fontRef idx="minor">
+            <a:schemeClr val="tx1"/>
+          </a:fontRef>
+        </p:style>
+      </p:cxnSp>
+    </p:spTree>
+    <p:extLst>
+      <p:ext uri="{BB962C8B-B14F-4D97-AF65-F5344CB8AC3E}">
+        <p14:creationId xmlns:p14="http://schemas.microsoft.com/office/powerpoint/2010/main" val="3578351855"/>
       </p:ext>
     </p:extLst>
   </p:cSld>

--- a/GraphQL.NET.pptx
+++ b/GraphQL.NET.pptx
@@ -6684,8 +6684,12 @@
           <a:lstStyle/>
           <a:p>
             <a:r>
+              <a:rPr lang="en-US" dirty="0" err="1"/>
+              <a:t>GraphQL</a:t>
+            </a:r>
+            <a:r>
               <a:rPr lang="en-US" dirty="0"/>
-              <a:t>Pubs and GraphQL.NET</a:t>
+              <a:t> and GraphQL.NET</a:t>
             </a:r>
           </a:p>
         </p:txBody>
